--- a/files/slides/slides_day4.pptx
+++ b/files/slides/slides_day4.pptx
@@ -265,7 +265,7 @@
           <a:p>
             <a:fld id="{F833E4A7-8C8F-0444-B05A-6DE0ED7B35B0}" type="datetimeFigureOut">
               <a:rPr lang="en-US" smtClean="0"/>
-              <a:t>5/23/18</a:t>
+              <a:t>5/24/18</a:t>
             </a:fld>
             <a:endParaRPr lang="en-US"/>
           </a:p>
@@ -2238,7 +2238,7 @@
           <a:p>
             <a:fld id="{CAF647BD-C221-1844-9ED2-A7F7759EF665}" type="datetimeFigureOut">
               <a:rPr lang="en-US" smtClean="0"/>
-              <a:t>5/23/18</a:t>
+              <a:t>5/24/18</a:t>
             </a:fld>
             <a:endParaRPr lang="en-US"/>
           </a:p>
@@ -2503,7 +2503,7 @@
           <a:p>
             <a:fld id="{CAF647BD-C221-1844-9ED2-A7F7759EF665}" type="datetimeFigureOut">
               <a:rPr lang="en-US" smtClean="0"/>
-              <a:t>5/23/18</a:t>
+              <a:t>5/24/18</a:t>
             </a:fld>
             <a:endParaRPr lang="en-US"/>
           </a:p>
@@ -2678,7 +2678,7 @@
           <a:p>
             <a:fld id="{CAF647BD-C221-1844-9ED2-A7F7759EF665}" type="datetimeFigureOut">
               <a:rPr lang="en-US" smtClean="0"/>
-              <a:t>5/23/18</a:t>
+              <a:t>5/24/18</a:t>
             </a:fld>
             <a:endParaRPr lang="en-US"/>
           </a:p>
@@ -2843,7 +2843,7 @@
           <a:p>
             <a:fld id="{CAF647BD-C221-1844-9ED2-A7F7759EF665}" type="datetimeFigureOut">
               <a:rPr lang="en-US" smtClean="0"/>
-              <a:t>5/23/18</a:t>
+              <a:t>5/24/18</a:t>
             </a:fld>
             <a:endParaRPr lang="en-US"/>
           </a:p>
@@ -3092,7 +3092,7 @@
           <a:p>
             <a:fld id="{CAF647BD-C221-1844-9ED2-A7F7759EF665}" type="datetimeFigureOut">
               <a:rPr lang="en-US" smtClean="0"/>
-              <a:t>5/23/18</a:t>
+              <a:t>5/24/18</a:t>
             </a:fld>
             <a:endParaRPr lang="en-US"/>
           </a:p>
@@ -3375,7 +3375,7 @@
           <a:p>
             <a:fld id="{CAF647BD-C221-1844-9ED2-A7F7759EF665}" type="datetimeFigureOut">
               <a:rPr lang="en-US" smtClean="0"/>
-              <a:t>5/23/18</a:t>
+              <a:t>5/24/18</a:t>
             </a:fld>
             <a:endParaRPr lang="en-US"/>
           </a:p>
@@ -3814,7 +3814,7 @@
           <a:p>
             <a:fld id="{CAF647BD-C221-1844-9ED2-A7F7759EF665}" type="datetimeFigureOut">
               <a:rPr lang="en-US" smtClean="0"/>
-              <a:t>5/23/18</a:t>
+              <a:t>5/24/18</a:t>
             </a:fld>
             <a:endParaRPr lang="en-US"/>
           </a:p>
@@ -3927,7 +3927,7 @@
           <a:p>
             <a:fld id="{CAF647BD-C221-1844-9ED2-A7F7759EF665}" type="datetimeFigureOut">
               <a:rPr lang="en-US" smtClean="0"/>
-              <a:t>5/23/18</a:t>
+              <a:t>5/24/18</a:t>
             </a:fld>
             <a:endParaRPr lang="en-US"/>
           </a:p>
@@ -4017,7 +4017,7 @@
           <a:p>
             <a:fld id="{CAF647BD-C221-1844-9ED2-A7F7759EF665}" type="datetimeFigureOut">
               <a:rPr lang="en-US" smtClean="0"/>
-              <a:t>5/23/18</a:t>
+              <a:t>5/24/18</a:t>
             </a:fld>
             <a:endParaRPr lang="en-US"/>
           </a:p>
@@ -4259,7 +4259,7 @@
           <a:p>
             <a:fld id="{CAF647BD-C221-1844-9ED2-A7F7759EF665}" type="datetimeFigureOut">
               <a:rPr lang="en-US" smtClean="0"/>
-              <a:t>5/23/18</a:t>
+              <a:t>5/24/18</a:t>
             </a:fld>
             <a:endParaRPr lang="en-US"/>
           </a:p>
@@ -4553,7 +4553,7 @@
           <a:p>
             <a:fld id="{CAF647BD-C221-1844-9ED2-A7F7759EF665}" type="datetimeFigureOut">
               <a:rPr lang="en-US" smtClean="0"/>
-              <a:t>5/23/18</a:t>
+              <a:t>5/24/18</a:t>
             </a:fld>
             <a:endParaRPr lang="en-US"/>
           </a:p>
@@ -4847,7 +4847,7 @@
           <a:p>
             <a:fld id="{CAF647BD-C221-1844-9ED2-A7F7759EF665}" type="datetimeFigureOut">
               <a:rPr lang="en-US" smtClean="0"/>
-              <a:t>5/23/18</a:t>
+              <a:t>5/24/18</a:t>
             </a:fld>
             <a:endParaRPr lang="en-US"/>
           </a:p>
@@ -9783,7 +9783,18 @@
                 <a:ea typeface="Monaco" charset="0"/>
                 <a:cs typeface="Monaco" charset="0"/>
               </a:rPr>
-              <a:t>\d+ cm</a:t>
+              <a:t>\d</a:t>
+            </a:r>
+            <a:r>
+              <a:rPr lang="en-US" dirty="0" smtClean="0">
+                <a:solidFill>
+                  <a:srgbClr val="FF0000"/>
+                </a:solidFill>
+                <a:latin typeface="Monaco" charset="0"/>
+                <a:ea typeface="Monaco" charset="0"/>
+                <a:cs typeface="Monaco" charset="0"/>
+              </a:rPr>
+              <a:t>+ cm</a:t>
             </a:r>
             <a:endParaRPr lang="en-US" dirty="0">
               <a:solidFill>
@@ -10256,8 +10267,27 @@
                 <a:ea typeface="Monaco" charset="0"/>
                 <a:cs typeface="Monaco" charset="0"/>
               </a:rPr>
-              <a:t>6 cm</a:t>
-            </a:r>
+              <a:t>6 </a:t>
+            </a:r>
+            <a:r>
+              <a:rPr lang="en-US" dirty="0" smtClean="0">
+                <a:solidFill>
+                  <a:srgbClr val="FF0000"/>
+                </a:solidFill>
+                <a:latin typeface="Monaco" charset="0"/>
+                <a:ea typeface="Monaco" charset="0"/>
+                <a:cs typeface="Monaco" charset="0"/>
+              </a:rPr>
+              <a:t>cm</a:t>
+            </a:r>
+            <a:endParaRPr lang="en-US" dirty="0" smtClean="0">
+              <a:solidFill>
+                <a:srgbClr val="FF0000"/>
+              </a:solidFill>
+              <a:latin typeface="Monaco" charset="0"/>
+              <a:ea typeface="Monaco" charset="0"/>
+              <a:cs typeface="Monaco" charset="0"/>
+            </a:endParaRPr>
           </a:p>
           <a:p>
             <a:endParaRPr lang="en-US" dirty="0">
@@ -10980,7 +11010,7 @@
               <a:t>	["</a:t>
             </a:r>
             <a:r>
-              <a:rPr lang="en-US" dirty="0" err="1" smtClean="0">
+              <a:rPr lang="en-US" dirty="0" smtClean="0">
                 <a:solidFill>
                   <a:schemeClr val="bg1">
                     <a:lumMod val="65000"/>
@@ -10989,7 +11019,19 @@
                 <a:latin typeface="Monaco"/>
                 <a:cs typeface="Monaco"/>
               </a:rPr>
-              <a:t>Hellothi</a:t>
+              <a:t>Hello </a:t>
+            </a:r>
+            <a:r>
+              <a:rPr lang="en-US" dirty="0" err="1" smtClean="0">
+                <a:solidFill>
+                  <a:schemeClr val="bg1">
+                    <a:lumMod val="65000"/>
+                  </a:schemeClr>
+                </a:solidFill>
+                <a:latin typeface="Monaco"/>
+                <a:cs typeface="Monaco"/>
+              </a:rPr>
+              <a:t>thi</a:t>
             </a:r>
             <a:r>
               <a:rPr lang="en-US" dirty="0" smtClean="0">
@@ -16189,6 +16231,13 @@
   <p:clrMapOvr>
     <a:masterClrMapping/>
   </p:clrMapOvr>
+  <p:timing>
+    <p:tnLst>
+      <p:par>
+        <p:cTn id="1" dur="indefinite" restart="never" nodeType="tmRoot"/>
+      </p:par>
+    </p:tnLst>
+  </p:timing>
 </p:sld>
 </file>
 
@@ -16404,6 +16453,13 @@
   <p:clrMapOvr>
     <a:masterClrMapping/>
   </p:clrMapOvr>
+  <p:timing>
+    <p:tnLst>
+      <p:par>
+        <p:cTn id="1" dur="indefinite" restart="never" nodeType="tmRoot"/>
+      </p:par>
+    </p:tnLst>
+  </p:timing>
 </p:sld>
 </file>
 
@@ -16668,6 +16724,13 @@
   <p:clrMapOvr>
     <a:masterClrMapping/>
   </p:clrMapOvr>
+  <p:timing>
+    <p:tnLst>
+      <p:par>
+        <p:cTn id="1" dur="indefinite" restart="never" nodeType="tmRoot"/>
+      </p:par>
+    </p:tnLst>
+  </p:timing>
 </p:sld>
 </file>
 
@@ -17186,6 +17249,13 @@
   <p:clrMapOvr>
     <a:masterClrMapping/>
   </p:clrMapOvr>
+  <p:timing>
+    <p:tnLst>
+      <p:par>
+        <p:cTn id="1" dur="indefinite" restart="never" nodeType="tmRoot"/>
+      </p:par>
+    </p:tnLst>
+  </p:timing>
 </p:sld>
 </file>
 
@@ -17749,6 +17819,13 @@
   <p:clrMapOvr>
     <a:masterClrMapping/>
   </p:clrMapOvr>
+  <p:timing>
+    <p:tnLst>
+      <p:par>
+        <p:cTn id="1" dur="indefinite" restart="never" nodeType="tmRoot"/>
+      </p:par>
+    </p:tnLst>
+  </p:timing>
 </p:sld>
 </file>
 
@@ -18079,31 +18156,21 @@
               <a:t>print(</a:t>
             </a:r>
             <a:r>
-              <a:rPr lang="en-US" dirty="0" err="1" smtClean="0">
-                <a:latin typeface="Monaco"/>
-                <a:cs typeface="Monaco"/>
-              </a:rPr>
-              <a:t>x</a:t>
-            </a:r>
-            <a:r>
-              <a:rPr lang="en-US" dirty="0" err="1" smtClean="0">
+              <a:rPr lang="en-US" dirty="0" smtClean="0">
+                <a:latin typeface="Monaco"/>
+                <a:cs typeface="Monaco"/>
+              </a:rPr>
+              <a:t>" "</a:t>
+            </a:r>
+            <a:r>
+              <a:rPr lang="en-US" dirty="0" smtClean="0">
                 <a:solidFill>
                   <a:schemeClr val="accent5"/>
                 </a:solidFill>
                 <a:latin typeface="Monaco"/>
                 <a:cs typeface="Monaco"/>
               </a:rPr>
-              <a:t>.join</a:t>
-            </a:r>
-            <a:r>
-              <a:rPr lang="en-US" dirty="0" smtClean="0">
-                <a:solidFill>
-                  <a:schemeClr val="accent5"/>
-                </a:solidFill>
-                <a:latin typeface="Monaco"/>
-                <a:cs typeface="Monaco"/>
-              </a:rPr>
-              <a:t>(" ")</a:t>
+              <a:t>.join(x)</a:t>
             </a:r>
             <a:r>
               <a:rPr lang="en-US" dirty="0" smtClean="0">
@@ -18112,6 +18179,10 @@
               </a:rPr>
               <a:t>)</a:t>
             </a:r>
+            <a:endParaRPr lang="en-US" dirty="0" smtClean="0">
+              <a:latin typeface="Monaco"/>
+              <a:cs typeface="Monaco"/>
+            </a:endParaRPr>
           </a:p>
           <a:p>
             <a:r>
@@ -18197,34 +18268,31 @@
                 <a:latin typeface="Monaco"/>
                 <a:cs typeface="Monaco"/>
               </a:rPr>
-              <a:t>print(</a:t>
-            </a:r>
-            <a:r>
-              <a:rPr lang="en-US" dirty="0" err="1" smtClean="0">
-                <a:latin typeface="Monaco"/>
-                <a:cs typeface="Monaco"/>
-              </a:rPr>
-              <a:t>x</a:t>
-            </a:r>
-            <a:r>
-              <a:rPr lang="en-US" dirty="0" err="1" smtClean="0">
+              <a:t>print</a:t>
+            </a:r>
+            <a:r>
+              <a:rPr lang="en-US" dirty="0" smtClean="0">
+                <a:latin typeface="Monaco"/>
+                <a:cs typeface="Monaco"/>
+              </a:rPr>
+              <a:t>(</a:t>
+            </a:r>
+            <a:r>
+              <a:rPr lang="en-US" dirty="0" smtClean="0">
+                <a:latin typeface="Monaco"/>
+                <a:cs typeface="Monaco"/>
+              </a:rPr>
+              <a:t>","</a:t>
+            </a:r>
+            <a:r>
+              <a:rPr lang="en-US" dirty="0" smtClean="0">
                 <a:solidFill>
                   <a:schemeClr val="accent5"/>
                 </a:solidFill>
                 <a:latin typeface="Monaco"/>
                 <a:cs typeface="Monaco"/>
               </a:rPr>
-              <a:t>.join</a:t>
-            </a:r>
-            <a:r>
-              <a:rPr lang="en-US" dirty="0" smtClean="0">
-                <a:solidFill>
-                  <a:schemeClr val="accent5"/>
-                </a:solidFill>
-                <a:latin typeface="Monaco"/>
-                <a:cs typeface="Monaco"/>
-              </a:rPr>
-              <a:t>(",")</a:t>
+              <a:t>.join(x)</a:t>
             </a:r>
             <a:r>
               <a:rPr lang="en-US" dirty="0" smtClean="0">
@@ -18233,6 +18301,10 @@
               </a:rPr>
               <a:t>)</a:t>
             </a:r>
+            <a:endParaRPr lang="en-US" dirty="0" smtClean="0">
+              <a:latin typeface="Monaco"/>
+              <a:cs typeface="Monaco"/>
+            </a:endParaRPr>
           </a:p>
           <a:p>
             <a:r>
@@ -19353,6 +19425,13 @@
   <p:clrMapOvr>
     <a:masterClrMapping/>
   </p:clrMapOvr>
+  <p:timing>
+    <p:tnLst>
+      <p:par>
+        <p:cTn id="1" dur="indefinite" restart="never" nodeType="tmRoot"/>
+      </p:par>
+    </p:tnLst>
+  </p:timing>
 </p:sld>
 </file>
 
@@ -19717,6 +19796,13 @@
   <p:clrMapOvr>
     <a:masterClrMapping/>
   </p:clrMapOvr>
+  <p:timing>
+    <p:tnLst>
+      <p:par>
+        <p:cTn id="1" dur="indefinite" restart="never" nodeType="tmRoot"/>
+      </p:par>
+    </p:tnLst>
+  </p:timing>
 </p:sld>
 </file>
 
@@ -20315,8 +20401,26 @@
                 <a:latin typeface="Monaco"/>
                 <a:cs typeface="Monaco"/>
               </a:rPr>
-              <a:t>print "Oh no, something is wrong!!!"</a:t>
-            </a:r>
+              <a:t>print( </a:t>
+            </a:r>
+            <a:r>
+              <a:rPr lang="en-US" sz="2000" dirty="0" smtClean="0">
+                <a:latin typeface="Monaco"/>
+                <a:cs typeface="Monaco"/>
+              </a:rPr>
+              <a:t>"Oh no, something is wrong</a:t>
+            </a:r>
+            <a:r>
+              <a:rPr lang="en-US" sz="2000" dirty="0" smtClean="0">
+                <a:latin typeface="Monaco"/>
+                <a:cs typeface="Monaco"/>
+              </a:rPr>
+              <a:t>!!!")</a:t>
+            </a:r>
+            <a:endParaRPr lang="en-US" sz="2000" dirty="0" smtClean="0">
+              <a:latin typeface="Monaco"/>
+              <a:cs typeface="Monaco"/>
+            </a:endParaRPr>
           </a:p>
           <a:p>
             <a:r>
@@ -20340,6 +20444,10 @@
               </a:rPr>
               <a:t>()</a:t>
             </a:r>
+            <a:endParaRPr lang="en-US" sz="2000" dirty="0" smtClean="0">
+              <a:latin typeface="Monaco"/>
+              <a:cs typeface="Monaco"/>
+            </a:endParaRPr>
           </a:p>
         </p:txBody>
       </p:sp>
@@ -20847,18 +20955,18 @@
           </a:p>
           <a:p>
             <a:r>
-              <a:rPr lang="en-US" sz="2000" dirty="0" err="1" smtClean="0">
-                <a:latin typeface="Monaco"/>
-                <a:cs typeface="Monaco"/>
-              </a:rPr>
-              <a:t>simport</a:t>
-            </a:r>
-            <a:r>
               <a:rPr lang="en-US" sz="2000" dirty="0" smtClean="0">
                 <a:latin typeface="Monaco"/>
                 <a:cs typeface="Monaco"/>
               </a:rPr>
-              <a:t> sys</a:t>
+              <a:t>import </a:t>
+            </a:r>
+            <a:r>
+              <a:rPr lang="en-US" sz="2000" dirty="0" smtClean="0">
+                <a:latin typeface="Monaco"/>
+                <a:cs typeface="Monaco"/>
+              </a:rPr>
+              <a:t>sys</a:t>
             </a:r>
           </a:p>
           <a:p>
@@ -20954,14 +21062,21 @@
                 <a:latin typeface="Monaco"/>
                 <a:cs typeface="Monaco"/>
               </a:rPr>
-              <a:t>myscripy.py</a:t>
+              <a:t>myscript.py</a:t>
             </a:r>
             <a:r>
               <a:rPr lang="en-US" sz="2000" dirty="0" smtClean="0">
                 <a:latin typeface="Monaco"/>
                 <a:cs typeface="Monaco"/>
               </a:rPr>
-              <a:t> 75</a:t>
+              <a:t> </a:t>
+            </a:r>
+            <a:r>
+              <a:rPr lang="en-US" sz="2000" dirty="0" smtClean="0">
+                <a:latin typeface="Monaco"/>
+                <a:cs typeface="Monaco"/>
+              </a:rPr>
+              <a:t>75</a:t>
             </a:r>
             <a:endParaRPr lang="en-US" sz="2000" dirty="0">
               <a:latin typeface="Monaco"/>
@@ -21030,7 +21145,7 @@
                 <a:latin typeface="Monaco"/>
                 <a:cs typeface="Monaco"/>
               </a:rPr>
-              <a:t>myscripy.py</a:t>
+              <a:t>myscript.py</a:t>
             </a:r>
             <a:endParaRPr lang="en-US" sz="2000" dirty="0">
               <a:latin typeface="Monaco"/>
@@ -21828,7 +21943,7 @@
                 <a:latin typeface="Monaco"/>
                 <a:cs typeface="Monaco"/>
               </a:rPr>
-              <a:t>myscripy.py</a:t>
+              <a:t>myscript.py</a:t>
             </a:r>
             <a:endParaRPr lang="en-US" sz="2000" dirty="0">
               <a:latin typeface="Monaco"/>
@@ -22163,6 +22278,10 @@
               </a:rPr>
               <a:t>[1]</a:t>
             </a:r>
+            <a:endParaRPr lang="en-US" sz="2000" dirty="0" smtClean="0">
+              <a:latin typeface="Monaco"/>
+              <a:cs typeface="Monaco"/>
+            </a:endParaRPr>
           </a:p>
           <a:p>
             <a:r>
@@ -22170,7 +22289,28 @@
                 <a:latin typeface="Monaco"/>
                 <a:cs typeface="Monaco"/>
               </a:rPr>
-              <a:t>print(value + 25)</a:t>
+              <a:t>print(</a:t>
+            </a:r>
+            <a:r>
+              <a:rPr lang="en-US" sz="2000" dirty="0" err="1" smtClean="0">
+                <a:latin typeface="Monaco"/>
+                <a:cs typeface="Monaco"/>
+              </a:rPr>
+              <a:t>int</a:t>
+            </a:r>
+            <a:r>
+              <a:rPr lang="en-US" sz="2000" dirty="0" smtClean="0">
+                <a:latin typeface="Monaco"/>
+                <a:cs typeface="Monaco"/>
+              </a:rPr>
+              <a:t>(value) </a:t>
+            </a:r>
+            <a:r>
+              <a:rPr lang="en-US" sz="2000" dirty="0" smtClean="0">
+                <a:latin typeface="Monaco"/>
+                <a:cs typeface="Monaco"/>
+              </a:rPr>
+              <a:t>+ 25)</a:t>
             </a:r>
           </a:p>
           <a:p>
@@ -22240,14 +22380,21 @@
                 <a:latin typeface="Monaco"/>
                 <a:cs typeface="Monaco"/>
               </a:rPr>
-              <a:t>myscripy.py</a:t>
+              <a:t>myscript.py</a:t>
             </a:r>
             <a:r>
               <a:rPr lang="en-US" sz="2000" dirty="0" smtClean="0">
                 <a:latin typeface="Monaco"/>
                 <a:cs typeface="Monaco"/>
               </a:rPr>
-              <a:t> 75</a:t>
+              <a:t> </a:t>
+            </a:r>
+            <a:r>
+              <a:rPr lang="en-US" sz="2000" dirty="0" smtClean="0">
+                <a:latin typeface="Monaco"/>
+                <a:cs typeface="Monaco"/>
+              </a:rPr>
+              <a:t>75</a:t>
             </a:r>
             <a:endParaRPr lang="en-US" sz="2000" dirty="0">
               <a:latin typeface="Monaco"/>
@@ -22288,10 +22435,10 @@
                 <a:ea typeface="Monaco" charset="0"/>
                 <a:cs typeface="Monaco" charset="0"/>
               </a:rPr>
-              <a:t>  File "</a:t>
-            </a:r>
-            <a:r>
-              <a:rPr lang="en-US" sz="2000" dirty="0" err="1">
+              <a:t>  File </a:t>
+            </a:r>
+            <a:r>
+              <a:rPr lang="en-US" sz="2000" dirty="0" smtClean="0">
                 <a:solidFill>
                   <a:srgbClr val="FF0000"/>
                 </a:solidFill>
@@ -22299,7 +22446,29 @@
                 <a:ea typeface="Monaco" charset="0"/>
                 <a:cs typeface="Monaco" charset="0"/>
               </a:rPr>
-              <a:t>hi.py</a:t>
+              <a:t>"</a:t>
+            </a:r>
+            <a:r>
+              <a:rPr lang="en-US" sz="2000" dirty="0" err="1" smtClean="0">
+                <a:solidFill>
+                  <a:srgbClr val="FF0000"/>
+                </a:solidFill>
+                <a:latin typeface="Monaco" charset="0"/>
+                <a:ea typeface="Monaco" charset="0"/>
+                <a:cs typeface="Monaco" charset="0"/>
+              </a:rPr>
+              <a:t>myscript.py</a:t>
+            </a:r>
+            <a:r>
+              <a:rPr lang="en-US" sz="2000" dirty="0" smtClean="0">
+                <a:solidFill>
+                  <a:srgbClr val="FF0000"/>
+                </a:solidFill>
+                <a:latin typeface="Monaco" charset="0"/>
+                <a:ea typeface="Monaco" charset="0"/>
+                <a:cs typeface="Monaco" charset="0"/>
+              </a:rPr>
+              <a:t>", </a:t>
             </a:r>
             <a:r>
               <a:rPr lang="en-US" sz="2000" dirty="0">
@@ -22310,7 +22479,7 @@
                 <a:ea typeface="Monaco" charset="0"/>
                 <a:cs typeface="Monaco" charset="0"/>
               </a:rPr>
-              <a:t>", line 4, in &lt;module&gt;</a:t>
+              <a:t>line 4, in &lt;module&gt;</a:t>
             </a:r>
           </a:p>
           <a:p>
@@ -24117,7 +24286,7 @@
                 <a:latin typeface="Monaco"/>
                 <a:cs typeface="Monaco"/>
               </a:rPr>
-              <a:t>myscript</a:t>
+              <a:t>myscript.py</a:t>
             </a:r>
             <a:r>
               <a:rPr lang="en-US" sz="2000" dirty="0" smtClean="0">
@@ -24127,7 +24296,17 @@
                 <a:latin typeface="Monaco"/>
                 <a:cs typeface="Monaco"/>
               </a:rPr>
-              <a:t> &lt;value&gt;"</a:t>
+              <a:t> </a:t>
+            </a:r>
+            <a:r>
+              <a:rPr lang="en-US" sz="2000" dirty="0" smtClean="0">
+                <a:solidFill>
+                  <a:schemeClr val="accent5"/>
+                </a:solidFill>
+                <a:latin typeface="Monaco"/>
+                <a:cs typeface="Monaco"/>
+              </a:rPr>
+              <a:t>&lt;value&gt;"</a:t>
             </a:r>
             <a:endParaRPr lang="en-US" sz="2000" dirty="0">
               <a:solidFill>
@@ -24682,14 +24861,14 @@
               <a:t>python </a:t>
             </a:r>
             <a:r>
-              <a:rPr lang="en-US" sz="2000" dirty="0" err="1">
-                <a:latin typeface="Monaco"/>
-                <a:cs typeface="Monaco"/>
-              </a:rPr>
-              <a:t>myscripy.py</a:t>
-            </a:r>
-            <a:r>
-              <a:rPr lang="en-US" sz="2000" dirty="0">
+              <a:rPr lang="en-US" sz="2000" dirty="0" err="1" smtClean="0">
+                <a:latin typeface="Monaco"/>
+                <a:cs typeface="Monaco"/>
+              </a:rPr>
+              <a:t>myscript.py</a:t>
+            </a:r>
+            <a:r>
+              <a:rPr lang="en-US" sz="2000" dirty="0" smtClean="0">
                 <a:latin typeface="Monaco"/>
                 <a:cs typeface="Monaco"/>
               </a:rPr>
@@ -24757,14 +24936,14 @@
               <a:t>python </a:t>
             </a:r>
             <a:r>
-              <a:rPr lang="en-US" sz="2000" dirty="0" err="1">
-                <a:latin typeface="Monaco"/>
-                <a:cs typeface="Monaco"/>
-              </a:rPr>
-              <a:t>myscripy.py</a:t>
-            </a:r>
-            <a:r>
-              <a:rPr lang="en-US" sz="2000" dirty="0">
+              <a:rPr lang="en-US" sz="2000" dirty="0" err="1" smtClean="0">
+                <a:latin typeface="Monaco"/>
+                <a:cs typeface="Monaco"/>
+              </a:rPr>
+              <a:t>myscript.py</a:t>
+            </a:r>
+            <a:r>
+              <a:rPr lang="en-US" sz="2000" dirty="0" smtClean="0">
                 <a:latin typeface="Monaco"/>
                 <a:cs typeface="Monaco"/>
               </a:rPr>
@@ -24820,10 +24999,10 @@
                 <a:ea typeface="Monaco" charset="0"/>
                 <a:cs typeface="Monaco" charset="0"/>
               </a:rPr>
-              <a:t>  File "</a:t>
-            </a:r>
-            <a:r>
-              <a:rPr lang="en-US" sz="2000" dirty="0" err="1">
+              <a:t>  File </a:t>
+            </a:r>
+            <a:r>
+              <a:rPr lang="en-US" sz="2000" dirty="0" smtClean="0">
                 <a:solidFill>
                   <a:srgbClr val="FF0000"/>
                 </a:solidFill>
@@ -24831,7 +25010,29 @@
                 <a:ea typeface="Monaco" charset="0"/>
                 <a:cs typeface="Monaco" charset="0"/>
               </a:rPr>
-              <a:t>hi.py</a:t>
+              <a:t>"</a:t>
+            </a:r>
+            <a:r>
+              <a:rPr lang="en-US" sz="2000" dirty="0" err="1" smtClean="0">
+                <a:solidFill>
+                  <a:srgbClr val="FF0000"/>
+                </a:solidFill>
+                <a:latin typeface="Monaco" charset="0"/>
+                <a:ea typeface="Monaco" charset="0"/>
+                <a:cs typeface="Monaco" charset="0"/>
+              </a:rPr>
+              <a:t>myscript.py</a:t>
+            </a:r>
+            <a:r>
+              <a:rPr lang="en-US" sz="2000" dirty="0" smtClean="0">
+                <a:solidFill>
+                  <a:srgbClr val="FF0000"/>
+                </a:solidFill>
+                <a:latin typeface="Monaco" charset="0"/>
+                <a:ea typeface="Monaco" charset="0"/>
+                <a:cs typeface="Monaco" charset="0"/>
+              </a:rPr>
+              <a:t>", </a:t>
             </a:r>
             <a:r>
               <a:rPr lang="en-US" sz="2000" dirty="0">
@@ -24842,7 +25043,7 @@
                 <a:ea typeface="Monaco" charset="0"/>
                 <a:cs typeface="Monaco" charset="0"/>
               </a:rPr>
-              <a:t>", line 4, in &lt;module&gt;</a:t>
+              <a:t>line 4, in &lt;module&gt;</a:t>
             </a:r>
           </a:p>
           <a:p>
